--- a/Assets/Documents/Prezentace/Zaver.pptx
+++ b/Assets/Documents/Prezentace/Zaver.pptx
@@ -106,6 +106,11 @@
       </a:defRPr>
     </a:lvl9pPr>
   </p:defaultTextStyle>
+  <p:extLst>
+    <p:ext uri="{EFAFB233-063F-42B5-8137-9DF3F51BA10A}">
+      <p15:sldGuideLst xmlns:p15="http://schemas.microsoft.com/office/powerpoint/2012/main"/>
+    </p:ext>
+  </p:extLst>
 </p:presentation>
 </file>
 
@@ -256,7 +261,7 @@
           <a:p>
             <a:fld id="{C37C3338-174A-4A1F-92A4-E72945B925AC}" type="datetimeFigureOut">
               <a:rPr lang="cs-CZ" smtClean="0"/>
-              <a:t>12.01.2025</a:t>
+              <a:t>13.01.2025</a:t>
             </a:fld>
             <a:endParaRPr lang="cs-CZ"/>
           </a:p>
@@ -454,7 +459,7 @@
           <a:p>
             <a:fld id="{C37C3338-174A-4A1F-92A4-E72945B925AC}" type="datetimeFigureOut">
               <a:rPr lang="cs-CZ" smtClean="0"/>
-              <a:t>12.01.2025</a:t>
+              <a:t>13.01.2025</a:t>
             </a:fld>
             <a:endParaRPr lang="cs-CZ"/>
           </a:p>
@@ -662,7 +667,7 @@
           <a:p>
             <a:fld id="{C37C3338-174A-4A1F-92A4-E72945B925AC}" type="datetimeFigureOut">
               <a:rPr lang="cs-CZ" smtClean="0"/>
-              <a:t>12.01.2025</a:t>
+              <a:t>13.01.2025</a:t>
             </a:fld>
             <a:endParaRPr lang="cs-CZ"/>
           </a:p>
@@ -860,7 +865,7 @@
           <a:p>
             <a:fld id="{C37C3338-174A-4A1F-92A4-E72945B925AC}" type="datetimeFigureOut">
               <a:rPr lang="cs-CZ" smtClean="0"/>
-              <a:t>12.01.2025</a:t>
+              <a:t>13.01.2025</a:t>
             </a:fld>
             <a:endParaRPr lang="cs-CZ"/>
           </a:p>
@@ -1135,7 +1140,7 @@
           <a:p>
             <a:fld id="{C37C3338-174A-4A1F-92A4-E72945B925AC}" type="datetimeFigureOut">
               <a:rPr lang="cs-CZ" smtClean="0"/>
-              <a:t>12.01.2025</a:t>
+              <a:t>13.01.2025</a:t>
             </a:fld>
             <a:endParaRPr lang="cs-CZ"/>
           </a:p>
@@ -1400,7 +1405,7 @@
           <a:p>
             <a:fld id="{C37C3338-174A-4A1F-92A4-E72945B925AC}" type="datetimeFigureOut">
               <a:rPr lang="cs-CZ" smtClean="0"/>
-              <a:t>12.01.2025</a:t>
+              <a:t>13.01.2025</a:t>
             </a:fld>
             <a:endParaRPr lang="cs-CZ"/>
           </a:p>
@@ -1812,7 +1817,7 @@
           <a:p>
             <a:fld id="{C37C3338-174A-4A1F-92A4-E72945B925AC}" type="datetimeFigureOut">
               <a:rPr lang="cs-CZ" smtClean="0"/>
-              <a:t>12.01.2025</a:t>
+              <a:t>13.01.2025</a:t>
             </a:fld>
             <a:endParaRPr lang="cs-CZ"/>
           </a:p>
@@ -1953,7 +1958,7 @@
           <a:p>
             <a:fld id="{C37C3338-174A-4A1F-92A4-E72945B925AC}" type="datetimeFigureOut">
               <a:rPr lang="cs-CZ" smtClean="0"/>
-              <a:t>12.01.2025</a:t>
+              <a:t>13.01.2025</a:t>
             </a:fld>
             <a:endParaRPr lang="cs-CZ"/>
           </a:p>
@@ -2066,7 +2071,7 @@
           <a:p>
             <a:fld id="{C37C3338-174A-4A1F-92A4-E72945B925AC}" type="datetimeFigureOut">
               <a:rPr lang="cs-CZ" smtClean="0"/>
-              <a:t>12.01.2025</a:t>
+              <a:t>13.01.2025</a:t>
             </a:fld>
             <a:endParaRPr lang="cs-CZ"/>
           </a:p>
@@ -2377,7 +2382,7 @@
           <a:p>
             <a:fld id="{C37C3338-174A-4A1F-92A4-E72945B925AC}" type="datetimeFigureOut">
               <a:rPr lang="cs-CZ" smtClean="0"/>
-              <a:t>12.01.2025</a:t>
+              <a:t>13.01.2025</a:t>
             </a:fld>
             <a:endParaRPr lang="cs-CZ"/>
           </a:p>
@@ -2665,7 +2670,7 @@
           <a:p>
             <a:fld id="{C37C3338-174A-4A1F-92A4-E72945B925AC}" type="datetimeFigureOut">
               <a:rPr lang="cs-CZ" smtClean="0"/>
-              <a:t>12.01.2025</a:t>
+              <a:t>13.01.2025</a:t>
             </a:fld>
             <a:endParaRPr lang="cs-CZ"/>
           </a:p>
@@ -2906,7 +2911,7 @@
           <a:p>
             <a:fld id="{C37C3338-174A-4A1F-92A4-E72945B925AC}" type="datetimeFigureOut">
               <a:rPr lang="cs-CZ" smtClean="0"/>
-              <a:t>12.01.2025</a:t>
+              <a:t>13.01.2025</a:t>
             </a:fld>
             <a:endParaRPr lang="cs-CZ"/>
           </a:p>
@@ -3787,9 +3792,10 @@
               <a:buChar char="•"/>
             </a:pPr>
             <a:r>
-              <a:rPr lang="en-US" sz="2400"/>
+              <a:rPr lang="en-US" sz="2400" dirty="0" err="1"/>
               <a:t>Představení</a:t>
             </a:r>
+            <a:endParaRPr lang="en-US" sz="2400" dirty="0"/>
           </a:p>
           <a:p>
             <a:pPr marL="285750" indent="-228600">
@@ -3803,9 +3809,10 @@
               <a:buChar char="•"/>
             </a:pPr>
             <a:r>
-              <a:rPr lang="en-US" sz="2400"/>
+              <a:rPr lang="en-US" sz="2400" dirty="0" err="1"/>
               <a:t>Nápad</a:t>
             </a:r>
+            <a:endParaRPr lang="en-US" sz="2400" dirty="0"/>
           </a:p>
           <a:p>
             <a:pPr marL="285750" indent="-228600">
@@ -3819,8 +3826,28 @@
               <a:buChar char="•"/>
             </a:pPr>
             <a:r>
-              <a:rPr lang="en-US" sz="2400"/>
-              <a:t>Rozdělení práce v týmu </a:t>
+              <a:rPr lang="en-US" sz="2400" dirty="0" err="1"/>
+              <a:t>Rozdělení</a:t>
+            </a:r>
+            <a:r>
+              <a:rPr lang="en-US" sz="2400" dirty="0"/>
+              <a:t> </a:t>
+            </a:r>
+            <a:r>
+              <a:rPr lang="en-US" sz="2400" dirty="0" err="1"/>
+              <a:t>práce</a:t>
+            </a:r>
+            <a:r>
+              <a:rPr lang="en-US" sz="2400" dirty="0"/>
+              <a:t> v </a:t>
+            </a:r>
+            <a:r>
+              <a:rPr lang="en-US" sz="2400" dirty="0" err="1"/>
+              <a:t>týmu</a:t>
+            </a:r>
+            <a:r>
+              <a:rPr lang="en-US" sz="2400" dirty="0"/>
+              <a:t> </a:t>
             </a:r>
           </a:p>
           <a:p>
@@ -3835,8 +3862,12 @@
               <a:buChar char="•"/>
             </a:pPr>
             <a:r>
-              <a:rPr lang="en-US" sz="2400"/>
-              <a:t>Lukáš a Dan</a:t>
+              <a:rPr lang="en-US" sz="2400" dirty="0" err="1"/>
+              <a:t>Lukáš</a:t>
+            </a:r>
+            <a:r>
+              <a:rPr lang="en-US" sz="2400" dirty="0"/>
+              <a:t> a Dan</a:t>
             </a:r>
           </a:p>
           <a:p>
@@ -3851,9 +3882,18 @@
               <a:buChar char="•"/>
             </a:pPr>
             <a:r>
-              <a:rPr lang="en-US" sz="2400"/>
-              <a:t>Cíle projektu</a:t>
-            </a:r>
+              <a:rPr lang="en-US" sz="2400" dirty="0" err="1"/>
+              <a:t>Cíle</a:t>
+            </a:r>
+            <a:r>
+              <a:rPr lang="en-US" sz="2400" dirty="0"/>
+              <a:t> </a:t>
+            </a:r>
+            <a:r>
+              <a:rPr lang="en-US" sz="2400" dirty="0" err="1"/>
+              <a:t>projektu</a:t>
+            </a:r>
+            <a:endParaRPr lang="en-US" sz="2400" dirty="0"/>
           </a:p>
           <a:p>
             <a:pPr marL="742950" lvl="1" indent="-228600">
@@ -3867,9 +3907,26 @@
               <a:buChar char="•"/>
             </a:pPr>
             <a:r>
-              <a:rPr lang="en-US" sz="2400"/>
-              <a:t>Vytvořit základní 3D hru</a:t>
-            </a:r>
+              <a:rPr lang="en-US" sz="2400" dirty="0" err="1"/>
+              <a:t>Vytvořit</a:t>
+            </a:r>
+            <a:r>
+              <a:rPr lang="en-US" sz="2400" dirty="0"/>
+              <a:t> </a:t>
+            </a:r>
+            <a:r>
+              <a:rPr lang="en-US" sz="2400" dirty="0" err="1"/>
+              <a:t>základní</a:t>
+            </a:r>
+            <a:r>
+              <a:rPr lang="en-US" sz="2400" dirty="0"/>
+              <a:t> 3D </a:t>
+            </a:r>
+            <a:r>
+              <a:rPr lang="en-US" sz="2400" dirty="0" err="1"/>
+              <a:t>hru</a:t>
+            </a:r>
+            <a:endParaRPr lang="en-US" sz="2400" dirty="0"/>
           </a:p>
           <a:p>
             <a:pPr marL="742950" lvl="1" indent="-228600">
@@ -3883,9 +3940,22 @@
               <a:buChar char="•"/>
             </a:pPr>
             <a:r>
-              <a:rPr lang="en-US" sz="2400"/>
-              <a:t>15 herní doby</a:t>
-            </a:r>
+              <a:rPr lang="en-US" sz="2400" dirty="0"/>
+              <a:t>15 </a:t>
+            </a:r>
+            <a:r>
+              <a:rPr lang="en-US" sz="2400" dirty="0" err="1"/>
+              <a:t>herní</a:t>
+            </a:r>
+            <a:r>
+              <a:rPr lang="en-US" sz="2400" dirty="0"/>
+              <a:t> </a:t>
+            </a:r>
+            <a:r>
+              <a:rPr lang="en-US" sz="2400" dirty="0" err="1"/>
+              <a:t>doby</a:t>
+            </a:r>
+            <a:endParaRPr lang="en-US" sz="2400" dirty="0"/>
           </a:p>
           <a:p>
             <a:pPr marL="285750" indent="-228600">
@@ -3899,7 +3969,7 @@
               <a:buChar char="•"/>
             </a:pPr>
             <a:r>
-              <a:rPr lang="en-US" sz="2400"/>
+              <a:rPr lang="en-US" sz="2400" dirty="0"/>
               <a:t>Co je to The Rune Fighter</a:t>
             </a:r>
           </a:p>
